--- a/Документация/Лялин.pptx
+++ b/Документация/Лялин.pptx
@@ -3696,7 +3696,11 @@
             </a:r>
             <a:r>
               <a:rPr lang="ru-RU" sz="3600" b="1" u="sng" dirty="0" smtClean="0"/>
-              <a:t>АЗС </a:t>
+              <a:t>фитнес-центров</a:t>
+            </a:r>
+            <a:r>
+              <a:rPr lang="ru-RU" sz="3600" b="1" u="sng" dirty="0" smtClean="0"/>
+              <a:t> </a:t>
             </a:r>
             <a:r>
               <a:rPr lang="ru-RU" sz="3600" b="1" u="sng" dirty="0" smtClean="0"/>
@@ -3772,7 +3776,7 @@
                 </a:solidFill>
                 <a:cs typeface="Times New Roman" pitchFamily="18" charset="0"/>
               </a:rPr>
-              <a:t>207</a:t>
+              <a:t>205</a:t>
             </a:r>
             <a:r>
               <a:rPr lang="en-US" sz="2000" dirty="0" smtClean="0">
@@ -3799,7 +3803,7 @@
                 </a:solidFill>
                 <a:cs typeface="Times New Roman" pitchFamily="18" charset="0"/>
               </a:rPr>
-              <a:t>Корсаков А.Д.</a:t>
+              <a:t>Лялин Д.Д.</a:t>
             </a:r>
             <a:endParaRPr lang="en-US" sz="2000" b="1" dirty="0" smtClean="0">
               <a:solidFill>
@@ -3957,7 +3961,7 @@
             </a:r>
             <a:r>
               <a:rPr lang="ru-RU" sz="2800" dirty="0" smtClean="0"/>
-              <a:t>заправках </a:t>
+              <a:t>фитнес-центрах </a:t>
             </a:r>
             <a:r>
               <a:rPr lang="ru-RU" sz="2800" dirty="0" smtClean="0"/>
@@ -5003,7 +5007,7 @@
                 <a:latin typeface="Arial" pitchFamily="34" charset="0"/>
                 <a:cs typeface="Arial" pitchFamily="34" charset="0"/>
               </a:rPr>
-              <a:t>заправок </a:t>
+              <a:t>фитнес-центров </a:t>
             </a:r>
             <a:r>
               <a:rPr lang="ru-RU" dirty="0" smtClean="0">
@@ -5554,7 +5558,7 @@
           <a:graphicData uri="http://schemas.openxmlformats.org/presentationml/2006/ole">
             <mc:AlternateContent xmlns:mc="http://schemas.openxmlformats.org/markup-compatibility/2006">
               <mc:Choice xmlns:v="urn:schemas-microsoft-com:vml" Requires="v">
-                <p:oleObj spid="_x0000_s1091" name="Visio" r:id="rId3" imgW="26943996" imgH="22200349" progId="Visio.Drawing.11">
+                <p:oleObj spid="_x0000_s1092" name="Visio" r:id="rId3" imgW="26943996" imgH="22200349" progId="Visio.Drawing.11">
                   <p:embed/>
                 </p:oleObj>
               </mc:Choice>
@@ -5923,8 +5927,10 @@
       </p:sp>
       <p:pic>
         <p:nvPicPr>
-          <p:cNvPr id="5" name="Рисунок 4"/>
-          <p:cNvPicPr/>
+          <p:cNvPr id="2" name="Рисунок 1"/>
+          <p:cNvPicPr>
+            <a:picLocks noChangeAspect="1"/>
+          </p:cNvPicPr>
           <p:nvPr/>
         </p:nvPicPr>
         <p:blipFill>
@@ -5935,8 +5941,8 @@
         </p:blipFill>
         <p:spPr>
           <a:xfrm>
-            <a:off x="1861976" y="1268760"/>
-            <a:ext cx="5743575" cy="4823460"/>
+            <a:off x="1691680" y="1552533"/>
+            <a:ext cx="5796905" cy="4921387"/>
           </a:xfrm>
           <a:prstGeom prst="rect">
             <a:avLst/>
